--- a/schema.pptx
+++ b/schema.pptx
@@ -6,6 +6,7 @@
   </p:sldMasterIdLst>
   <p:sldIdLst>
     <p:sldId id="256" r:id="rId2"/>
+    <p:sldId id="257" r:id="rId3"/>
   </p:sldIdLst>
   <p:sldSz cx="10080625" cy="5400675"/>
   <p:notesSz cx="6858000" cy="9144000"/>
@@ -104,6 +105,11 @@
       </a:defRPr>
     </a:lvl9pPr>
   </p:defaultTextStyle>
+  <p:extLst>
+    <p:ext uri="{EFAFB233-063F-42B5-8137-9DF3F51BA10A}">
+      <p15:sldGuideLst xmlns:p15="http://schemas.microsoft.com/office/powerpoint/2012/main"/>
+    </p:ext>
+  </p:extLst>
 </p:presentation>
 </file>
 
@@ -238,7 +244,7 @@
           <a:p>
             <a:fld id="{DC8D1450-30BF-456E-A483-D578E001458A}" type="datetimeFigureOut">
               <a:rPr lang="it-IT" smtClean="0"/>
-              <a:t>14/06/2018</a:t>
+              <a:t>27/06/2018</a:t>
             </a:fld>
             <a:endParaRPr lang="it-IT"/>
           </a:p>
@@ -408,7 +414,7 @@
           <a:p>
             <a:fld id="{DC8D1450-30BF-456E-A483-D578E001458A}" type="datetimeFigureOut">
               <a:rPr lang="it-IT" smtClean="0"/>
-              <a:t>14/06/2018</a:t>
+              <a:t>27/06/2018</a:t>
             </a:fld>
             <a:endParaRPr lang="it-IT"/>
           </a:p>
@@ -588,7 +594,7 @@
           <a:p>
             <a:fld id="{DC8D1450-30BF-456E-A483-D578E001458A}" type="datetimeFigureOut">
               <a:rPr lang="it-IT" smtClean="0"/>
-              <a:t>14/06/2018</a:t>
+              <a:t>27/06/2018</a:t>
             </a:fld>
             <a:endParaRPr lang="it-IT"/>
           </a:p>
@@ -758,7 +764,7 @@
           <a:p>
             <a:fld id="{DC8D1450-30BF-456E-A483-D578E001458A}" type="datetimeFigureOut">
               <a:rPr lang="it-IT" smtClean="0"/>
-              <a:t>14/06/2018</a:t>
+              <a:t>27/06/2018</a:t>
             </a:fld>
             <a:endParaRPr lang="it-IT"/>
           </a:p>
@@ -1004,7 +1010,7 @@
           <a:p>
             <a:fld id="{DC8D1450-30BF-456E-A483-D578E001458A}" type="datetimeFigureOut">
               <a:rPr lang="it-IT" smtClean="0"/>
-              <a:t>14/06/2018</a:t>
+              <a:t>27/06/2018</a:t>
             </a:fld>
             <a:endParaRPr lang="it-IT"/>
           </a:p>
@@ -1236,7 +1242,7 @@
           <a:p>
             <a:fld id="{DC8D1450-30BF-456E-A483-D578E001458A}" type="datetimeFigureOut">
               <a:rPr lang="it-IT" smtClean="0"/>
-              <a:t>14/06/2018</a:t>
+              <a:t>27/06/2018</a:t>
             </a:fld>
             <a:endParaRPr lang="it-IT"/>
           </a:p>
@@ -1603,7 +1609,7 @@
           <a:p>
             <a:fld id="{DC8D1450-30BF-456E-A483-D578E001458A}" type="datetimeFigureOut">
               <a:rPr lang="it-IT" smtClean="0"/>
-              <a:t>14/06/2018</a:t>
+              <a:t>27/06/2018</a:t>
             </a:fld>
             <a:endParaRPr lang="it-IT"/>
           </a:p>
@@ -1721,7 +1727,7 @@
           <a:p>
             <a:fld id="{DC8D1450-30BF-456E-A483-D578E001458A}" type="datetimeFigureOut">
               <a:rPr lang="it-IT" smtClean="0"/>
-              <a:t>14/06/2018</a:t>
+              <a:t>27/06/2018</a:t>
             </a:fld>
             <a:endParaRPr lang="it-IT"/>
           </a:p>
@@ -1816,7 +1822,7 @@
           <a:p>
             <a:fld id="{DC8D1450-30BF-456E-A483-D578E001458A}" type="datetimeFigureOut">
               <a:rPr lang="it-IT" smtClean="0"/>
-              <a:t>14/06/2018</a:t>
+              <a:t>27/06/2018</a:t>
             </a:fld>
             <a:endParaRPr lang="it-IT"/>
           </a:p>
@@ -2093,7 +2099,7 @@
           <a:p>
             <a:fld id="{DC8D1450-30BF-456E-A483-D578E001458A}" type="datetimeFigureOut">
               <a:rPr lang="it-IT" smtClean="0"/>
-              <a:t>14/06/2018</a:t>
+              <a:t>27/06/2018</a:t>
             </a:fld>
             <a:endParaRPr lang="it-IT"/>
           </a:p>
@@ -2350,7 +2356,7 @@
           <a:p>
             <a:fld id="{DC8D1450-30BF-456E-A483-D578E001458A}" type="datetimeFigureOut">
               <a:rPr lang="it-IT" smtClean="0"/>
-              <a:t>14/06/2018</a:t>
+              <a:t>27/06/2018</a:t>
             </a:fld>
             <a:endParaRPr lang="it-IT"/>
           </a:p>
@@ -2563,7 +2569,7 @@
           <a:p>
             <a:fld id="{DC8D1450-30BF-456E-A483-D578E001458A}" type="datetimeFigureOut">
               <a:rPr lang="it-IT" smtClean="0"/>
-              <a:t>14/06/2018</a:t>
+              <a:t>27/06/2018</a:t>
             </a:fld>
             <a:endParaRPr lang="it-IT"/>
           </a:p>
@@ -4266,6 +4272,1381 @@
 </p:sld>
 </file>
 
+<file path=ppt/slides/slide2.xml><?xml version="1.0" encoding="utf-8"?>
+<p:sld xmlns:a="http://schemas.openxmlformats.org/drawingml/2006/main" xmlns:r="http://schemas.openxmlformats.org/officeDocument/2006/relationships" xmlns:p="http://schemas.openxmlformats.org/presentationml/2006/main">
+  <p:cSld>
+    <p:spTree>
+      <p:nvGrpSpPr>
+        <p:cNvPr id="1" name=""/>
+        <p:cNvGrpSpPr/>
+        <p:nvPr/>
+      </p:nvGrpSpPr>
+      <p:grpSpPr>
+        <a:xfrm>
+          <a:off x="0" y="0"/>
+          <a:ext cx="0" cy="0"/>
+          <a:chOff x="0" y="0"/>
+          <a:chExt cx="0" cy="0"/>
+        </a:xfrm>
+      </p:grpSpPr>
+      <p:grpSp>
+        <p:nvGrpSpPr>
+          <p:cNvPr id="9" name="Gruppo 8">
+            <a:extLst>
+              <a:ext uri="{FF2B5EF4-FFF2-40B4-BE49-F238E27FC236}">
+                <a16:creationId xmlns:a16="http://schemas.microsoft.com/office/drawing/2014/main" id="{6804871B-B818-4B64-85B4-FCB7E9B7A3B0}"/>
+              </a:ext>
+            </a:extLst>
+          </p:cNvPr>
+          <p:cNvGrpSpPr/>
+          <p:nvPr/>
+        </p:nvGrpSpPr>
+        <p:grpSpPr>
+          <a:xfrm>
+            <a:off x="3829488" y="274768"/>
+            <a:ext cx="2577830" cy="1332689"/>
+            <a:chOff x="1828800" y="1118681"/>
+            <a:chExt cx="2577830" cy="1332689"/>
+          </a:xfrm>
+        </p:grpSpPr>
+        <p:sp>
+          <p:nvSpPr>
+            <p:cNvPr id="5" name="Rettangolo 4">
+              <a:extLst>
+                <a:ext uri="{FF2B5EF4-FFF2-40B4-BE49-F238E27FC236}">
+                  <a16:creationId xmlns:a16="http://schemas.microsoft.com/office/drawing/2014/main" id="{22A27711-C4C0-4ADF-802D-DDA8CA3E424D}"/>
+                </a:ext>
+              </a:extLst>
+            </p:cNvPr>
+            <p:cNvSpPr/>
+            <p:nvPr/>
+          </p:nvSpPr>
+          <p:spPr>
+            <a:xfrm>
+              <a:off x="1828800" y="1118681"/>
+              <a:ext cx="2577830" cy="1332689"/>
+            </a:xfrm>
+            <a:prstGeom prst="rect">
+              <a:avLst/>
+            </a:prstGeom>
+          </p:spPr>
+          <p:style>
+            <a:lnRef idx="2">
+              <a:schemeClr val="accent1">
+                <a:shade val="50000"/>
+              </a:schemeClr>
+            </a:lnRef>
+            <a:fillRef idx="1">
+              <a:schemeClr val="accent1"/>
+            </a:fillRef>
+            <a:effectRef idx="0">
+              <a:schemeClr val="accent1"/>
+            </a:effectRef>
+            <a:fontRef idx="minor">
+              <a:schemeClr val="lt1"/>
+            </a:fontRef>
+          </p:style>
+          <p:txBody>
+            <a:bodyPr rot="0" spcFirstLastPara="0" vertOverflow="overflow" horzOverflow="overflow" vert="horz" wrap="square" lIns="91440" tIns="45720" rIns="91440" bIns="45720" numCol="1" spcCol="0" rtlCol="0" fromWordArt="0" anchor="ctr" anchorCtr="0" forceAA="0" compatLnSpc="1">
+              <a:prstTxWarp prst="textNoShape">
+                <a:avLst/>
+              </a:prstTxWarp>
+              <a:noAutofit/>
+            </a:bodyPr>
+            <a:lstStyle/>
+            <a:p>
+              <a:pPr algn="ctr"/>
+              <a:r>
+                <a:rPr lang="it-IT" sz="2000" dirty="0"/>
+                <a:t>Image </a:t>
+              </a:r>
+              <a:r>
+                <a:rPr lang="it-IT" sz="2000" dirty="0" err="1"/>
+                <a:t>Polarity</a:t>
+              </a:r>
+              <a:r>
+                <a:rPr lang="it-IT" sz="2000" dirty="0"/>
+                <a:t> </a:t>
+              </a:r>
+              <a:r>
+                <a:rPr lang="it-IT" sz="2000" dirty="0" err="1"/>
+                <a:t>Prediction</a:t>
+              </a:r>
+              <a:endParaRPr lang="it-IT" sz="2000" dirty="0"/>
+            </a:p>
+          </p:txBody>
+        </p:sp>
+        <p:sp>
+          <p:nvSpPr>
+            <p:cNvPr id="7" name="Rettangolo 6">
+              <a:extLst>
+                <a:ext uri="{FF2B5EF4-FFF2-40B4-BE49-F238E27FC236}">
+                  <a16:creationId xmlns:a16="http://schemas.microsoft.com/office/drawing/2014/main" id="{E72442C5-E496-4225-BD78-24E8E87DD3CE}"/>
+                </a:ext>
+              </a:extLst>
+            </p:cNvPr>
+            <p:cNvSpPr/>
+            <p:nvPr/>
+          </p:nvSpPr>
+          <p:spPr>
+            <a:xfrm>
+              <a:off x="3771090" y="1147865"/>
+              <a:ext cx="596631" cy="252918"/>
+            </a:xfrm>
+            <a:prstGeom prst="rect">
+              <a:avLst/>
+            </a:prstGeom>
+          </p:spPr>
+          <p:style>
+            <a:lnRef idx="2">
+              <a:schemeClr val="dk1"/>
+            </a:lnRef>
+            <a:fillRef idx="1">
+              <a:schemeClr val="lt1"/>
+            </a:fillRef>
+            <a:effectRef idx="0">
+              <a:schemeClr val="dk1"/>
+            </a:effectRef>
+            <a:fontRef idx="minor">
+              <a:schemeClr val="dk1"/>
+            </a:fontRef>
+          </p:style>
+          <p:txBody>
+            <a:bodyPr rot="0" spcFirstLastPara="0" vertOverflow="overflow" horzOverflow="overflow" vert="horz" wrap="square" lIns="91440" tIns="45720" rIns="91440" bIns="45720" numCol="1" spcCol="0" rtlCol="0" fromWordArt="0" anchor="ctr" anchorCtr="0" forceAA="0" compatLnSpc="1">
+              <a:prstTxWarp prst="textNoShape">
+                <a:avLst/>
+              </a:prstTxWarp>
+              <a:noAutofit/>
+            </a:bodyPr>
+            <a:lstStyle/>
+            <a:p>
+              <a:pPr algn="ctr"/>
+              <a:r>
+                <a:rPr lang="it-IT" sz="1200" dirty="0"/>
+                <a:t>Image</a:t>
+              </a:r>
+            </a:p>
+          </p:txBody>
+        </p:sp>
+      </p:grpSp>
+      <p:grpSp>
+        <p:nvGrpSpPr>
+          <p:cNvPr id="10" name="Gruppo 9">
+            <a:extLst>
+              <a:ext uri="{FF2B5EF4-FFF2-40B4-BE49-F238E27FC236}">
+                <a16:creationId xmlns:a16="http://schemas.microsoft.com/office/drawing/2014/main" id="{25261FB6-7C8C-48E3-A1D5-7ECC0E48052D}"/>
+              </a:ext>
+            </a:extLst>
+          </p:cNvPr>
+          <p:cNvGrpSpPr/>
+          <p:nvPr/>
+        </p:nvGrpSpPr>
+        <p:grpSpPr>
+          <a:xfrm>
+            <a:off x="515605" y="173286"/>
+            <a:ext cx="2743197" cy="1434171"/>
+            <a:chOff x="1663433" y="1017199"/>
+            <a:chExt cx="2743197" cy="1434171"/>
+          </a:xfrm>
+        </p:grpSpPr>
+        <p:sp>
+          <p:nvSpPr>
+            <p:cNvPr id="11" name="Rettangolo 10">
+              <a:extLst>
+                <a:ext uri="{FF2B5EF4-FFF2-40B4-BE49-F238E27FC236}">
+                  <a16:creationId xmlns:a16="http://schemas.microsoft.com/office/drawing/2014/main" id="{F11B860B-1DE1-4BCC-B6A5-5D5D560F9A23}"/>
+                </a:ext>
+              </a:extLst>
+            </p:cNvPr>
+            <p:cNvSpPr/>
+            <p:nvPr/>
+          </p:nvSpPr>
+          <p:spPr>
+            <a:xfrm>
+              <a:off x="1828800" y="1118681"/>
+              <a:ext cx="2577830" cy="1332689"/>
+            </a:xfrm>
+            <a:prstGeom prst="rect">
+              <a:avLst/>
+            </a:prstGeom>
+          </p:spPr>
+          <p:style>
+            <a:lnRef idx="2">
+              <a:schemeClr val="accent1">
+                <a:shade val="50000"/>
+              </a:schemeClr>
+            </a:lnRef>
+            <a:fillRef idx="1">
+              <a:schemeClr val="accent1"/>
+            </a:fillRef>
+            <a:effectRef idx="0">
+              <a:schemeClr val="accent1"/>
+            </a:effectRef>
+            <a:fontRef idx="minor">
+              <a:schemeClr val="lt1"/>
+            </a:fontRef>
+          </p:style>
+          <p:txBody>
+            <a:bodyPr rot="0" spcFirstLastPara="0" vertOverflow="overflow" horzOverflow="overflow" vert="horz" wrap="square" lIns="91440" tIns="45720" rIns="91440" bIns="45720" numCol="1" spcCol="0" rtlCol="0" fromWordArt="0" anchor="ctr" anchorCtr="0" forceAA="0" compatLnSpc="1">
+              <a:prstTxWarp prst="textNoShape">
+                <a:avLst/>
+              </a:prstTxWarp>
+              <a:noAutofit/>
+            </a:bodyPr>
+            <a:lstStyle/>
+            <a:p>
+              <a:pPr algn="ctr"/>
+              <a:r>
+                <a:rPr lang="it-IT" sz="2000" dirty="0"/>
+                <a:t>The Social Picture</a:t>
+              </a:r>
+            </a:p>
+          </p:txBody>
+        </p:sp>
+        <p:sp>
+          <p:nvSpPr>
+            <p:cNvPr id="12" name="Rettangolo 11">
+              <a:extLst>
+                <a:ext uri="{FF2B5EF4-FFF2-40B4-BE49-F238E27FC236}">
+                  <a16:creationId xmlns:a16="http://schemas.microsoft.com/office/drawing/2014/main" id="{80255A9F-6763-4546-BB97-837844D8B3A4}"/>
+                </a:ext>
+              </a:extLst>
+            </p:cNvPr>
+            <p:cNvSpPr/>
+            <p:nvPr/>
+          </p:nvSpPr>
+          <p:spPr>
+            <a:xfrm>
+              <a:off x="3771090" y="1147865"/>
+              <a:ext cx="596631" cy="252918"/>
+            </a:xfrm>
+            <a:prstGeom prst="rect">
+              <a:avLst/>
+            </a:prstGeom>
+          </p:spPr>
+          <p:style>
+            <a:lnRef idx="2">
+              <a:schemeClr val="dk1"/>
+            </a:lnRef>
+            <a:fillRef idx="1">
+              <a:schemeClr val="lt1"/>
+            </a:fillRef>
+            <a:effectRef idx="0">
+              <a:schemeClr val="dk1"/>
+            </a:effectRef>
+            <a:fontRef idx="minor">
+              <a:schemeClr val="dk1"/>
+            </a:fontRef>
+          </p:style>
+          <p:txBody>
+            <a:bodyPr rot="0" spcFirstLastPara="0" vertOverflow="overflow" horzOverflow="overflow" vert="horz" wrap="square" lIns="91440" tIns="45720" rIns="91440" bIns="45720" numCol="1" spcCol="0" rtlCol="0" fromWordArt="0" anchor="ctr" anchorCtr="0" forceAA="0" compatLnSpc="1">
+              <a:prstTxWarp prst="textNoShape">
+                <a:avLst/>
+              </a:prstTxWarp>
+              <a:noAutofit/>
+            </a:bodyPr>
+            <a:lstStyle/>
+            <a:p>
+              <a:pPr algn="ctr"/>
+              <a:r>
+                <a:rPr lang="it-IT" sz="1200" dirty="0"/>
+                <a:t>Image</a:t>
+              </a:r>
+            </a:p>
+          </p:txBody>
+        </p:sp>
+        <p:sp>
+          <p:nvSpPr>
+            <p:cNvPr id="13" name="Rettangolo con angoli arrotondati 12">
+              <a:extLst>
+                <a:ext uri="{FF2B5EF4-FFF2-40B4-BE49-F238E27FC236}">
+                  <a16:creationId xmlns:a16="http://schemas.microsoft.com/office/drawing/2014/main" id="{E43EE10A-DC36-491A-8197-5B7CB4F9EF18}"/>
+                </a:ext>
+              </a:extLst>
+            </p:cNvPr>
+            <p:cNvSpPr/>
+            <p:nvPr/>
+          </p:nvSpPr>
+          <p:spPr>
+            <a:xfrm>
+              <a:off x="1663433" y="1017199"/>
+              <a:ext cx="522781" cy="252918"/>
+            </a:xfrm>
+            <a:prstGeom prst="roundRect">
+              <a:avLst/>
+            </a:prstGeom>
+            <a:ln w="28575"/>
+          </p:spPr>
+          <p:style>
+            <a:lnRef idx="2">
+              <a:schemeClr val="dk1"/>
+            </a:lnRef>
+            <a:fillRef idx="1">
+              <a:schemeClr val="lt1"/>
+            </a:fillRef>
+            <a:effectRef idx="0">
+              <a:schemeClr val="dk1"/>
+            </a:effectRef>
+            <a:fontRef idx="minor">
+              <a:schemeClr val="dk1"/>
+            </a:fontRef>
+          </p:style>
+          <p:txBody>
+            <a:bodyPr rot="0" spcFirstLastPara="0" vertOverflow="overflow" horzOverflow="overflow" vert="horz" wrap="square" lIns="91440" tIns="45720" rIns="91440" bIns="45720" numCol="1" spcCol="0" rtlCol="0" fromWordArt="0" anchor="ctr" anchorCtr="0" forceAA="0" compatLnSpc="1">
+              <a:prstTxWarp prst="textNoShape">
+                <a:avLst/>
+              </a:prstTxWarp>
+              <a:noAutofit/>
+            </a:bodyPr>
+            <a:lstStyle/>
+            <a:p>
+              <a:pPr algn="ctr"/>
+              <a:r>
+                <a:rPr lang="it-IT" sz="1600" b="1" dirty="0"/>
+                <a:t>3.2</a:t>
+              </a:r>
+            </a:p>
+          </p:txBody>
+        </p:sp>
+      </p:grpSp>
+      <p:grpSp>
+        <p:nvGrpSpPr>
+          <p:cNvPr id="14" name="Gruppo 13">
+            <a:extLst>
+              <a:ext uri="{FF2B5EF4-FFF2-40B4-BE49-F238E27FC236}">
+                <a16:creationId xmlns:a16="http://schemas.microsoft.com/office/drawing/2014/main" id="{C9AE533C-95A4-493E-8453-DC6F510EDCAE}"/>
+              </a:ext>
+            </a:extLst>
+          </p:cNvPr>
+          <p:cNvGrpSpPr/>
+          <p:nvPr/>
+        </p:nvGrpSpPr>
+        <p:grpSpPr>
+          <a:xfrm>
+            <a:off x="6978004" y="274768"/>
+            <a:ext cx="2577830" cy="1332689"/>
+            <a:chOff x="1828800" y="1118681"/>
+            <a:chExt cx="2577830" cy="1332689"/>
+          </a:xfrm>
+        </p:grpSpPr>
+        <p:sp>
+          <p:nvSpPr>
+            <p:cNvPr id="15" name="Rettangolo 14">
+              <a:extLst>
+                <a:ext uri="{FF2B5EF4-FFF2-40B4-BE49-F238E27FC236}">
+                  <a16:creationId xmlns:a16="http://schemas.microsoft.com/office/drawing/2014/main" id="{17F65E10-A3D8-475E-BB55-9953D79AEAE3}"/>
+                </a:ext>
+              </a:extLst>
+            </p:cNvPr>
+            <p:cNvSpPr/>
+            <p:nvPr/>
+          </p:nvSpPr>
+          <p:spPr>
+            <a:xfrm>
+              <a:off x="1828800" y="1118681"/>
+              <a:ext cx="2577830" cy="1332689"/>
+            </a:xfrm>
+            <a:prstGeom prst="rect">
+              <a:avLst/>
+            </a:prstGeom>
+          </p:spPr>
+          <p:style>
+            <a:lnRef idx="2">
+              <a:schemeClr val="accent1">
+                <a:shade val="50000"/>
+              </a:schemeClr>
+            </a:lnRef>
+            <a:fillRef idx="1">
+              <a:schemeClr val="accent1"/>
+            </a:fillRef>
+            <a:effectRef idx="0">
+              <a:schemeClr val="accent1"/>
+            </a:effectRef>
+            <a:fontRef idx="minor">
+              <a:schemeClr val="lt1"/>
+            </a:fontRef>
+          </p:style>
+          <p:txBody>
+            <a:bodyPr rot="0" spcFirstLastPara="0" vertOverflow="overflow" horzOverflow="overflow" vert="horz" wrap="square" lIns="91440" tIns="45720" rIns="91440" bIns="45720" numCol="1" spcCol="0" rtlCol="0" fromWordArt="0" anchor="ctr" anchorCtr="0" forceAA="0" compatLnSpc="1">
+              <a:prstTxWarp prst="textNoShape">
+                <a:avLst/>
+              </a:prstTxWarp>
+              <a:noAutofit/>
+            </a:bodyPr>
+            <a:lstStyle/>
+            <a:p>
+              <a:pPr algn="ctr"/>
+              <a:r>
+                <a:rPr lang="it-IT" sz="2000" dirty="0"/>
+                <a:t>Image </a:t>
+              </a:r>
+              <a:r>
+                <a:rPr lang="it-IT" sz="2000" dirty="0" err="1"/>
+                <a:t>Popularity</a:t>
+              </a:r>
+              <a:r>
+                <a:rPr lang="it-IT" sz="2000" dirty="0"/>
+                <a:t> </a:t>
+              </a:r>
+              <a:r>
+                <a:rPr lang="it-IT" sz="2000" dirty="0" err="1"/>
+                <a:t>Prediction</a:t>
+              </a:r>
+              <a:endParaRPr lang="it-IT" sz="2000" dirty="0"/>
+            </a:p>
+          </p:txBody>
+        </p:sp>
+        <p:sp>
+          <p:nvSpPr>
+            <p:cNvPr id="16" name="Rettangolo 15">
+              <a:extLst>
+                <a:ext uri="{FF2B5EF4-FFF2-40B4-BE49-F238E27FC236}">
+                  <a16:creationId xmlns:a16="http://schemas.microsoft.com/office/drawing/2014/main" id="{9D2059E9-C102-4736-A9C5-BB7BE5795466}"/>
+                </a:ext>
+              </a:extLst>
+            </p:cNvPr>
+            <p:cNvSpPr/>
+            <p:nvPr/>
+          </p:nvSpPr>
+          <p:spPr>
+            <a:xfrm>
+              <a:off x="3771090" y="1147865"/>
+              <a:ext cx="596631" cy="252918"/>
+            </a:xfrm>
+            <a:prstGeom prst="rect">
+              <a:avLst/>
+            </a:prstGeom>
+          </p:spPr>
+          <p:style>
+            <a:lnRef idx="2">
+              <a:schemeClr val="dk1"/>
+            </a:lnRef>
+            <a:fillRef idx="1">
+              <a:schemeClr val="lt1"/>
+            </a:fillRef>
+            <a:effectRef idx="0">
+              <a:schemeClr val="dk1"/>
+            </a:effectRef>
+            <a:fontRef idx="minor">
+              <a:schemeClr val="dk1"/>
+            </a:fontRef>
+          </p:style>
+          <p:txBody>
+            <a:bodyPr rot="0" spcFirstLastPara="0" vertOverflow="overflow" horzOverflow="overflow" vert="horz" wrap="square" lIns="91440" tIns="45720" rIns="91440" bIns="45720" numCol="1" spcCol="0" rtlCol="0" fromWordArt="0" anchor="ctr" anchorCtr="0" forceAA="0" compatLnSpc="1">
+              <a:prstTxWarp prst="textNoShape">
+                <a:avLst/>
+              </a:prstTxWarp>
+              <a:noAutofit/>
+            </a:bodyPr>
+            <a:lstStyle/>
+            <a:p>
+              <a:pPr algn="ctr"/>
+              <a:r>
+                <a:rPr lang="it-IT" sz="1200" dirty="0"/>
+                <a:t>Image</a:t>
+              </a:r>
+            </a:p>
+          </p:txBody>
+        </p:sp>
+      </p:grpSp>
+      <p:grpSp>
+        <p:nvGrpSpPr>
+          <p:cNvPr id="18" name="Gruppo 17">
+            <a:extLst>
+              <a:ext uri="{FF2B5EF4-FFF2-40B4-BE49-F238E27FC236}">
+                <a16:creationId xmlns:a16="http://schemas.microsoft.com/office/drawing/2014/main" id="{50F2572D-2E99-4A69-8DFC-8B477AF2F362}"/>
+              </a:ext>
+            </a:extLst>
+          </p:cNvPr>
+          <p:cNvGrpSpPr/>
+          <p:nvPr/>
+        </p:nvGrpSpPr>
+        <p:grpSpPr>
+          <a:xfrm>
+            <a:off x="680972" y="3815636"/>
+            <a:ext cx="2577830" cy="1332689"/>
+            <a:chOff x="1828800" y="1118681"/>
+            <a:chExt cx="2577830" cy="1332689"/>
+          </a:xfrm>
+        </p:grpSpPr>
+        <p:sp>
+          <p:nvSpPr>
+            <p:cNvPr id="19" name="Rettangolo 18">
+              <a:extLst>
+                <a:ext uri="{FF2B5EF4-FFF2-40B4-BE49-F238E27FC236}">
+                  <a16:creationId xmlns:a16="http://schemas.microsoft.com/office/drawing/2014/main" id="{5D457760-D1D5-4E82-8BF7-FE362BCAF0A1}"/>
+                </a:ext>
+              </a:extLst>
+            </p:cNvPr>
+            <p:cNvSpPr/>
+            <p:nvPr/>
+          </p:nvSpPr>
+          <p:spPr>
+            <a:xfrm>
+              <a:off x="1828800" y="1118681"/>
+              <a:ext cx="2577830" cy="1332689"/>
+            </a:xfrm>
+            <a:prstGeom prst="rect">
+              <a:avLst/>
+            </a:prstGeom>
+            <a:solidFill>
+              <a:schemeClr val="accent2"/>
+            </a:solidFill>
+          </p:spPr>
+          <p:style>
+            <a:lnRef idx="2">
+              <a:schemeClr val="accent1">
+                <a:shade val="50000"/>
+              </a:schemeClr>
+            </a:lnRef>
+            <a:fillRef idx="1">
+              <a:schemeClr val="accent1"/>
+            </a:fillRef>
+            <a:effectRef idx="0">
+              <a:schemeClr val="accent1"/>
+            </a:effectRef>
+            <a:fontRef idx="minor">
+              <a:schemeClr val="lt1"/>
+            </a:fontRef>
+          </p:style>
+          <p:txBody>
+            <a:bodyPr rot="0" spcFirstLastPara="0" vertOverflow="overflow" horzOverflow="overflow" vert="horz" wrap="square" lIns="91440" tIns="45720" rIns="91440" bIns="45720" numCol="1" spcCol="0" rtlCol="0" fromWordArt="0" anchor="ctr" anchorCtr="0" forceAA="0" compatLnSpc="1">
+              <a:prstTxWarp prst="textNoShape">
+                <a:avLst/>
+              </a:prstTxWarp>
+              <a:noAutofit/>
+            </a:bodyPr>
+            <a:lstStyle/>
+            <a:p>
+              <a:pPr algn="ctr"/>
+              <a:r>
+                <a:rPr lang="it-IT" sz="2000" dirty="0" err="1"/>
+                <a:t>RECfusion</a:t>
+              </a:r>
+              <a:endParaRPr lang="it-IT" sz="2000" dirty="0"/>
+            </a:p>
+          </p:txBody>
+        </p:sp>
+        <p:sp>
+          <p:nvSpPr>
+            <p:cNvPr id="20" name="Rettangolo 19">
+              <a:extLst>
+                <a:ext uri="{FF2B5EF4-FFF2-40B4-BE49-F238E27FC236}">
+                  <a16:creationId xmlns:a16="http://schemas.microsoft.com/office/drawing/2014/main" id="{D03C1565-63F2-44B4-9D33-154CEA1F627E}"/>
+                </a:ext>
+              </a:extLst>
+            </p:cNvPr>
+            <p:cNvSpPr/>
+            <p:nvPr/>
+          </p:nvSpPr>
+          <p:spPr>
+            <a:xfrm>
+              <a:off x="3771090" y="1147865"/>
+              <a:ext cx="596631" cy="252918"/>
+            </a:xfrm>
+            <a:prstGeom prst="rect">
+              <a:avLst/>
+            </a:prstGeom>
+          </p:spPr>
+          <p:style>
+            <a:lnRef idx="2">
+              <a:schemeClr val="dk1"/>
+            </a:lnRef>
+            <a:fillRef idx="1">
+              <a:schemeClr val="lt1"/>
+            </a:fillRef>
+            <a:effectRef idx="0">
+              <a:schemeClr val="dk1"/>
+            </a:effectRef>
+            <a:fontRef idx="minor">
+              <a:schemeClr val="dk1"/>
+            </a:fontRef>
+          </p:style>
+          <p:txBody>
+            <a:bodyPr rot="0" spcFirstLastPara="0" vertOverflow="overflow" horzOverflow="overflow" vert="horz" wrap="square" lIns="91440" tIns="45720" rIns="91440" bIns="45720" numCol="1" spcCol="0" rtlCol="0" fromWordArt="0" anchor="ctr" anchorCtr="0" forceAA="0" compatLnSpc="1">
+              <a:prstTxWarp prst="textNoShape">
+                <a:avLst/>
+              </a:prstTxWarp>
+              <a:noAutofit/>
+            </a:bodyPr>
+            <a:lstStyle/>
+            <a:p>
+              <a:pPr algn="ctr"/>
+              <a:r>
+                <a:rPr lang="it-IT" sz="1200" dirty="0"/>
+                <a:t>Video</a:t>
+              </a:r>
+            </a:p>
+          </p:txBody>
+        </p:sp>
+      </p:grpSp>
+      <p:grpSp>
+        <p:nvGrpSpPr>
+          <p:cNvPr id="26" name="Gruppo 25">
+            <a:extLst>
+              <a:ext uri="{FF2B5EF4-FFF2-40B4-BE49-F238E27FC236}">
+                <a16:creationId xmlns:a16="http://schemas.microsoft.com/office/drawing/2014/main" id="{9E7F4D22-5412-4479-8325-4E7AA45CDA7A}"/>
+              </a:ext>
+            </a:extLst>
+          </p:cNvPr>
+          <p:cNvGrpSpPr/>
+          <p:nvPr/>
+        </p:nvGrpSpPr>
+        <p:grpSpPr>
+          <a:xfrm>
+            <a:off x="6978004" y="3815636"/>
+            <a:ext cx="2577830" cy="1332689"/>
+            <a:chOff x="1828800" y="1118681"/>
+            <a:chExt cx="2577830" cy="1332689"/>
+          </a:xfrm>
+        </p:grpSpPr>
+        <p:sp>
+          <p:nvSpPr>
+            <p:cNvPr id="27" name="Rettangolo 26">
+              <a:extLst>
+                <a:ext uri="{FF2B5EF4-FFF2-40B4-BE49-F238E27FC236}">
+                  <a16:creationId xmlns:a16="http://schemas.microsoft.com/office/drawing/2014/main" id="{72B2C8F8-A016-4404-BA0F-04D8AF58D6DA}"/>
+                </a:ext>
+              </a:extLst>
+            </p:cNvPr>
+            <p:cNvSpPr/>
+            <p:nvPr/>
+          </p:nvSpPr>
+          <p:spPr>
+            <a:xfrm>
+              <a:off x="1828800" y="1118681"/>
+              <a:ext cx="2577830" cy="1332689"/>
+            </a:xfrm>
+            <a:prstGeom prst="rect">
+              <a:avLst/>
+            </a:prstGeom>
+            <a:solidFill>
+              <a:schemeClr val="accent2"/>
+            </a:solidFill>
+          </p:spPr>
+          <p:style>
+            <a:lnRef idx="2">
+              <a:schemeClr val="accent1">
+                <a:shade val="50000"/>
+              </a:schemeClr>
+            </a:lnRef>
+            <a:fillRef idx="1">
+              <a:schemeClr val="accent1"/>
+            </a:fillRef>
+            <a:effectRef idx="0">
+              <a:schemeClr val="accent1"/>
+            </a:effectRef>
+            <a:fontRef idx="minor">
+              <a:schemeClr val="lt1"/>
+            </a:fontRef>
+          </p:style>
+          <p:txBody>
+            <a:bodyPr rot="0" spcFirstLastPara="0" vertOverflow="overflow" horzOverflow="overflow" vert="horz" wrap="square" lIns="91440" tIns="45720" rIns="91440" bIns="45720" numCol="1" spcCol="0" rtlCol="0" fromWordArt="0" anchor="ctr" anchorCtr="0" forceAA="0" compatLnSpc="1">
+              <a:prstTxWarp prst="textNoShape">
+                <a:avLst/>
+              </a:prstTxWarp>
+              <a:noAutofit/>
+            </a:bodyPr>
+            <a:lstStyle/>
+            <a:p>
+              <a:pPr algn="ctr"/>
+              <a:r>
+                <a:rPr lang="it-IT" sz="2000" dirty="0" err="1"/>
+                <a:t>RECfusion</a:t>
+              </a:r>
+              <a:r>
+                <a:rPr lang="it-IT" sz="2000" dirty="0"/>
+                <a:t> for </a:t>
+              </a:r>
+              <a:r>
+                <a:rPr lang="it-IT" sz="2000" dirty="0" err="1"/>
+                <a:t>lifelogging</a:t>
+              </a:r>
+              <a:endParaRPr lang="it-IT" sz="2000" dirty="0"/>
+            </a:p>
+          </p:txBody>
+        </p:sp>
+        <p:sp>
+          <p:nvSpPr>
+            <p:cNvPr id="28" name="Rettangolo 27">
+              <a:extLst>
+                <a:ext uri="{FF2B5EF4-FFF2-40B4-BE49-F238E27FC236}">
+                  <a16:creationId xmlns:a16="http://schemas.microsoft.com/office/drawing/2014/main" id="{B82D93A2-8896-4AF0-8077-FF0863C2ED71}"/>
+                </a:ext>
+              </a:extLst>
+            </p:cNvPr>
+            <p:cNvSpPr/>
+            <p:nvPr/>
+          </p:nvSpPr>
+          <p:spPr>
+            <a:xfrm>
+              <a:off x="3771090" y="1147865"/>
+              <a:ext cx="596631" cy="252918"/>
+            </a:xfrm>
+            <a:prstGeom prst="rect">
+              <a:avLst/>
+            </a:prstGeom>
+          </p:spPr>
+          <p:style>
+            <a:lnRef idx="2">
+              <a:schemeClr val="dk1"/>
+            </a:lnRef>
+            <a:fillRef idx="1">
+              <a:schemeClr val="lt1"/>
+            </a:fillRef>
+            <a:effectRef idx="0">
+              <a:schemeClr val="dk1"/>
+            </a:effectRef>
+            <a:fontRef idx="minor">
+              <a:schemeClr val="dk1"/>
+            </a:fontRef>
+          </p:style>
+          <p:txBody>
+            <a:bodyPr rot="0" spcFirstLastPara="0" vertOverflow="overflow" horzOverflow="overflow" vert="horz" wrap="square" lIns="91440" tIns="45720" rIns="91440" bIns="45720" numCol="1" spcCol="0" rtlCol="0" fromWordArt="0" anchor="ctr" anchorCtr="0" forceAA="0" compatLnSpc="1">
+              <a:prstTxWarp prst="textNoShape">
+                <a:avLst/>
+              </a:prstTxWarp>
+              <a:noAutofit/>
+            </a:bodyPr>
+            <a:lstStyle/>
+            <a:p>
+              <a:pPr algn="ctr"/>
+              <a:r>
+                <a:rPr lang="it-IT" sz="1200" dirty="0"/>
+                <a:t>Video</a:t>
+              </a:r>
+            </a:p>
+          </p:txBody>
+        </p:sp>
+      </p:grpSp>
+      <p:cxnSp>
+        <p:nvCxnSpPr>
+          <p:cNvPr id="31" name="Connettore 2 30">
+            <a:extLst>
+              <a:ext uri="{FF2B5EF4-FFF2-40B4-BE49-F238E27FC236}">
+                <a16:creationId xmlns:a16="http://schemas.microsoft.com/office/drawing/2014/main" id="{1CD05A5D-9EDC-446A-836C-D5E53DD0D044}"/>
+              </a:ext>
+            </a:extLst>
+          </p:cNvPr>
+          <p:cNvCxnSpPr>
+            <a:cxnSpLocks/>
+            <a:endCxn id="5" idx="2"/>
+          </p:cNvCxnSpPr>
+          <p:nvPr/>
+        </p:nvCxnSpPr>
+        <p:spPr>
+          <a:xfrm flipH="1" flipV="1">
+            <a:off x="5118401" y="1607459"/>
+            <a:ext cx="4870" cy="894945"/>
+          </a:xfrm>
+          <a:prstGeom prst="straightConnector1">
+            <a:avLst/>
+          </a:prstGeom>
+          <a:ln w="57150">
+            <a:tailEnd type="triangle"/>
+          </a:ln>
+        </p:spPr>
+        <p:style>
+          <a:lnRef idx="3">
+            <a:schemeClr val="dk1"/>
+          </a:lnRef>
+          <a:fillRef idx="0">
+            <a:schemeClr val="dk1"/>
+          </a:fillRef>
+          <a:effectRef idx="2">
+            <a:schemeClr val="dk1"/>
+          </a:effectRef>
+          <a:fontRef idx="minor">
+            <a:schemeClr val="tx1"/>
+          </a:fontRef>
+        </p:style>
+      </p:cxnSp>
+      <p:cxnSp>
+        <p:nvCxnSpPr>
+          <p:cNvPr id="32" name="Connettore 2 31">
+            <a:extLst>
+              <a:ext uri="{FF2B5EF4-FFF2-40B4-BE49-F238E27FC236}">
+                <a16:creationId xmlns:a16="http://schemas.microsoft.com/office/drawing/2014/main" id="{FBE192C2-8109-4AF5-A6F4-A0BCD1A38138}"/>
+              </a:ext>
+            </a:extLst>
+          </p:cNvPr>
+          <p:cNvCxnSpPr>
+            <a:cxnSpLocks/>
+          </p:cNvCxnSpPr>
+          <p:nvPr/>
+        </p:nvCxnSpPr>
+        <p:spPr>
+          <a:xfrm flipV="1">
+            <a:off x="1948799" y="1604212"/>
+            <a:ext cx="4861" cy="612841"/>
+          </a:xfrm>
+          <a:prstGeom prst="straightConnector1">
+            <a:avLst/>
+          </a:prstGeom>
+          <a:ln w="57150">
+            <a:tailEnd type="triangle"/>
+          </a:ln>
+        </p:spPr>
+        <p:style>
+          <a:lnRef idx="3">
+            <a:schemeClr val="dk1"/>
+          </a:lnRef>
+          <a:fillRef idx="0">
+            <a:schemeClr val="dk1"/>
+          </a:fillRef>
+          <a:effectRef idx="2">
+            <a:schemeClr val="dk1"/>
+          </a:effectRef>
+          <a:fontRef idx="minor">
+            <a:schemeClr val="tx1"/>
+          </a:fontRef>
+        </p:style>
+      </p:cxnSp>
+      <p:cxnSp>
+        <p:nvCxnSpPr>
+          <p:cNvPr id="35" name="Connettore diritto 34">
+            <a:extLst>
+              <a:ext uri="{FF2B5EF4-FFF2-40B4-BE49-F238E27FC236}">
+                <a16:creationId xmlns:a16="http://schemas.microsoft.com/office/drawing/2014/main" id="{830112FD-550D-4770-8C7A-B8BC49F09662}"/>
+              </a:ext>
+            </a:extLst>
+          </p:cNvPr>
+          <p:cNvCxnSpPr/>
+          <p:nvPr/>
+        </p:nvCxnSpPr>
+        <p:spPr>
+          <a:xfrm>
+            <a:off x="1924476" y="2217051"/>
+            <a:ext cx="6339217" cy="6480"/>
+          </a:xfrm>
+          <a:prstGeom prst="line">
+            <a:avLst/>
+          </a:prstGeom>
+          <a:ln w="57150">
+            <a:solidFill>
+              <a:schemeClr val="tx1"/>
+            </a:solidFill>
+          </a:ln>
+        </p:spPr>
+        <p:style>
+          <a:lnRef idx="1">
+            <a:schemeClr val="accent1"/>
+          </a:lnRef>
+          <a:fillRef idx="0">
+            <a:schemeClr val="accent1"/>
+          </a:fillRef>
+          <a:effectRef idx="0">
+            <a:schemeClr val="accent1"/>
+          </a:effectRef>
+          <a:fontRef idx="minor">
+            <a:schemeClr val="tx1"/>
+          </a:fontRef>
+        </p:style>
+      </p:cxnSp>
+      <p:cxnSp>
+        <p:nvCxnSpPr>
+          <p:cNvPr id="38" name="Connettore 2 37">
+            <a:extLst>
+              <a:ext uri="{FF2B5EF4-FFF2-40B4-BE49-F238E27FC236}">
+                <a16:creationId xmlns:a16="http://schemas.microsoft.com/office/drawing/2014/main" id="{7099097F-D148-40E8-A889-84F4247BD469}"/>
+              </a:ext>
+            </a:extLst>
+          </p:cNvPr>
+          <p:cNvCxnSpPr>
+            <a:cxnSpLocks/>
+          </p:cNvCxnSpPr>
+          <p:nvPr/>
+        </p:nvCxnSpPr>
+        <p:spPr>
+          <a:xfrm flipV="1">
+            <a:off x="8239375" y="1610692"/>
+            <a:ext cx="4861" cy="612841"/>
+          </a:xfrm>
+          <a:prstGeom prst="straightConnector1">
+            <a:avLst/>
+          </a:prstGeom>
+          <a:ln w="57150">
+            <a:tailEnd type="triangle"/>
+          </a:ln>
+        </p:spPr>
+        <p:style>
+          <a:lnRef idx="3">
+            <a:schemeClr val="dk1"/>
+          </a:lnRef>
+          <a:fillRef idx="0">
+            <a:schemeClr val="dk1"/>
+          </a:fillRef>
+          <a:effectRef idx="2">
+            <a:schemeClr val="dk1"/>
+          </a:effectRef>
+          <a:fontRef idx="minor">
+            <a:schemeClr val="tx1"/>
+          </a:fontRef>
+        </p:style>
+      </p:cxnSp>
+      <p:cxnSp>
+        <p:nvCxnSpPr>
+          <p:cNvPr id="39" name="Connettore diritto 38">
+            <a:extLst>
+              <a:ext uri="{FF2B5EF4-FFF2-40B4-BE49-F238E27FC236}">
+                <a16:creationId xmlns:a16="http://schemas.microsoft.com/office/drawing/2014/main" id="{1EE47F84-41D8-4249-8EDA-D7D01264B1F3}"/>
+              </a:ext>
+            </a:extLst>
+          </p:cNvPr>
+          <p:cNvCxnSpPr>
+            <a:cxnSpLocks/>
+          </p:cNvCxnSpPr>
+          <p:nvPr/>
+        </p:nvCxnSpPr>
+        <p:spPr>
+          <a:xfrm>
+            <a:off x="1940686" y="3079575"/>
+            <a:ext cx="2136863" cy="6489"/>
+          </a:xfrm>
+          <a:prstGeom prst="line">
+            <a:avLst/>
+          </a:prstGeom>
+          <a:ln w="57150">
+            <a:solidFill>
+              <a:schemeClr val="tx1"/>
+            </a:solidFill>
+          </a:ln>
+        </p:spPr>
+        <p:style>
+          <a:lnRef idx="1">
+            <a:schemeClr val="accent1"/>
+          </a:lnRef>
+          <a:fillRef idx="0">
+            <a:schemeClr val="accent1"/>
+          </a:fillRef>
+          <a:effectRef idx="0">
+            <a:schemeClr val="accent1"/>
+          </a:effectRef>
+          <a:fontRef idx="minor">
+            <a:schemeClr val="tx1"/>
+          </a:fontRef>
+        </p:style>
+      </p:cxnSp>
+      <p:cxnSp>
+        <p:nvCxnSpPr>
+          <p:cNvPr id="41" name="Connettore 2 40">
+            <a:extLst>
+              <a:ext uri="{FF2B5EF4-FFF2-40B4-BE49-F238E27FC236}">
+                <a16:creationId xmlns:a16="http://schemas.microsoft.com/office/drawing/2014/main" id="{08060475-7540-45ED-9262-324DE3B8CBFE}"/>
+              </a:ext>
+            </a:extLst>
+          </p:cNvPr>
+          <p:cNvCxnSpPr>
+            <a:cxnSpLocks/>
+            <a:endCxn id="19" idx="0"/>
+          </p:cNvCxnSpPr>
+          <p:nvPr/>
+        </p:nvCxnSpPr>
+        <p:spPr>
+          <a:xfrm>
+            <a:off x="1969885" y="3086063"/>
+            <a:ext cx="0" cy="729575"/>
+          </a:xfrm>
+          <a:prstGeom prst="straightConnector1">
+            <a:avLst/>
+          </a:prstGeom>
+          <a:ln w="57150">
+            <a:tailEnd type="triangle"/>
+          </a:ln>
+        </p:spPr>
+        <p:style>
+          <a:lnRef idx="3">
+            <a:schemeClr val="dk1"/>
+          </a:lnRef>
+          <a:fillRef idx="0">
+            <a:schemeClr val="dk1"/>
+          </a:fillRef>
+          <a:effectRef idx="2">
+            <a:schemeClr val="dk1"/>
+          </a:effectRef>
+          <a:fontRef idx="minor">
+            <a:schemeClr val="tx1"/>
+          </a:fontRef>
+        </p:style>
+      </p:cxnSp>
+      <p:cxnSp>
+        <p:nvCxnSpPr>
+          <p:cNvPr id="45" name="Connettore 2 44">
+            <a:extLst>
+              <a:ext uri="{FF2B5EF4-FFF2-40B4-BE49-F238E27FC236}">
+                <a16:creationId xmlns:a16="http://schemas.microsoft.com/office/drawing/2014/main" id="{64500BFF-A910-462D-B121-95530A51DA12}"/>
+              </a:ext>
+            </a:extLst>
+          </p:cNvPr>
+          <p:cNvCxnSpPr>
+            <a:cxnSpLocks/>
+            <a:stCxn id="19" idx="3"/>
+            <a:endCxn id="27" idx="1"/>
+          </p:cNvCxnSpPr>
+          <p:nvPr/>
+        </p:nvCxnSpPr>
+        <p:spPr>
+          <a:xfrm>
+            <a:off x="3258800" y="4481981"/>
+            <a:ext cx="3719202" cy="0"/>
+          </a:xfrm>
+          <a:prstGeom prst="straightConnector1">
+            <a:avLst/>
+          </a:prstGeom>
+          <a:ln w="57150">
+            <a:tailEnd type="triangle"/>
+          </a:ln>
+        </p:spPr>
+        <p:style>
+          <a:lnRef idx="3">
+            <a:schemeClr val="dk1"/>
+          </a:lnRef>
+          <a:fillRef idx="0">
+            <a:schemeClr val="dk1"/>
+          </a:fillRef>
+          <a:effectRef idx="2">
+            <a:schemeClr val="dk1"/>
+          </a:effectRef>
+          <a:fontRef idx="minor">
+            <a:schemeClr val="tx1"/>
+          </a:fontRef>
+        </p:style>
+      </p:cxnSp>
+      <p:sp>
+        <p:nvSpPr>
+          <p:cNvPr id="33" name="Rettangolo 32">
+            <a:extLst>
+              <a:ext uri="{FF2B5EF4-FFF2-40B4-BE49-F238E27FC236}">
+                <a16:creationId xmlns:a16="http://schemas.microsoft.com/office/drawing/2014/main" id="{91B17686-CF09-4125-AF3E-7E1FA5B0AB71}"/>
+              </a:ext>
+            </a:extLst>
+          </p:cNvPr>
+          <p:cNvSpPr/>
+          <p:nvPr/>
+        </p:nvSpPr>
+        <p:spPr>
+          <a:xfrm>
+            <a:off x="3907199" y="2536447"/>
+            <a:ext cx="2295331" cy="1204522"/>
+          </a:xfrm>
+          <a:prstGeom prst="rect">
+            <a:avLst/>
+          </a:prstGeom>
+          <a:solidFill>
+            <a:schemeClr val="accent6"/>
+          </a:solidFill>
+        </p:spPr>
+        <p:style>
+          <a:lnRef idx="2">
+            <a:schemeClr val="accent1">
+              <a:shade val="50000"/>
+            </a:schemeClr>
+          </a:lnRef>
+          <a:fillRef idx="1">
+            <a:schemeClr val="accent1"/>
+          </a:fillRef>
+          <a:effectRef idx="0">
+            <a:schemeClr val="accent1"/>
+          </a:effectRef>
+          <a:fontRef idx="minor">
+            <a:schemeClr val="lt1"/>
+          </a:fontRef>
+        </p:style>
+        <p:txBody>
+          <a:bodyPr rot="0" spcFirstLastPara="0" vertOverflow="overflow" horzOverflow="overflow" vert="horz" wrap="square" lIns="91440" tIns="45720" rIns="91440" bIns="45720" numCol="1" spcCol="0" rtlCol="0" fromWordArt="0" anchor="ctr" anchorCtr="0" forceAA="0" compatLnSpc="1">
+            <a:prstTxWarp prst="textNoShape">
+              <a:avLst/>
+            </a:prstTxWarp>
+            <a:noAutofit/>
+          </a:bodyPr>
+          <a:lstStyle/>
+          <a:p>
+            <a:pPr algn="ctr"/>
+            <a:r>
+              <a:rPr lang="it-IT" sz="2000" dirty="0"/>
+              <a:t>Crowdsourced Media Analysis</a:t>
+            </a:r>
+          </a:p>
+        </p:txBody>
+      </p:sp>
+      <p:sp>
+        <p:nvSpPr>
+          <p:cNvPr id="37" name="Rettangolo con angoli arrotondati 36">
+            <a:extLst>
+              <a:ext uri="{FF2B5EF4-FFF2-40B4-BE49-F238E27FC236}">
+                <a16:creationId xmlns:a16="http://schemas.microsoft.com/office/drawing/2014/main" id="{A8820A3B-29FE-40CE-92AA-54A36AC55053}"/>
+              </a:ext>
+            </a:extLst>
+          </p:cNvPr>
+          <p:cNvSpPr/>
+          <p:nvPr/>
+        </p:nvSpPr>
+        <p:spPr>
+          <a:xfrm>
+            <a:off x="3767623" y="2392967"/>
+            <a:ext cx="319301" cy="252918"/>
+          </a:xfrm>
+          <a:prstGeom prst="roundRect">
+            <a:avLst/>
+          </a:prstGeom>
+          <a:ln w="28575"/>
+        </p:spPr>
+        <p:style>
+          <a:lnRef idx="2">
+            <a:schemeClr val="dk1"/>
+          </a:lnRef>
+          <a:fillRef idx="1">
+            <a:schemeClr val="lt1"/>
+          </a:fillRef>
+          <a:effectRef idx="0">
+            <a:schemeClr val="dk1"/>
+          </a:effectRef>
+          <a:fontRef idx="minor">
+            <a:schemeClr val="dk1"/>
+          </a:fontRef>
+        </p:style>
+        <p:txBody>
+          <a:bodyPr rot="0" spcFirstLastPara="0" vertOverflow="overflow" horzOverflow="overflow" vert="horz" wrap="square" lIns="91440" tIns="45720" rIns="91440" bIns="45720" numCol="1" spcCol="0" rtlCol="0" fromWordArt="0" anchor="ctr" anchorCtr="0" forceAA="0" compatLnSpc="1">
+            <a:prstTxWarp prst="textNoShape">
+              <a:avLst/>
+            </a:prstTxWarp>
+            <a:noAutofit/>
+          </a:bodyPr>
+          <a:lstStyle/>
+          <a:p>
+            <a:pPr algn="ctr"/>
+            <a:r>
+              <a:rPr lang="it-IT" sz="1600" b="1" dirty="0"/>
+              <a:t>2</a:t>
+            </a:r>
+          </a:p>
+        </p:txBody>
+      </p:sp>
+      <p:sp>
+        <p:nvSpPr>
+          <p:cNvPr id="40" name="Rettangolo con angoli arrotondati 39">
+            <a:extLst>
+              <a:ext uri="{FF2B5EF4-FFF2-40B4-BE49-F238E27FC236}">
+                <a16:creationId xmlns:a16="http://schemas.microsoft.com/office/drawing/2014/main" id="{C95A3302-6D4F-481C-A52F-A1F06F881FDC}"/>
+              </a:ext>
+            </a:extLst>
+          </p:cNvPr>
+          <p:cNvSpPr/>
+          <p:nvPr/>
+        </p:nvSpPr>
+        <p:spPr>
+          <a:xfrm>
+            <a:off x="3618167" y="162900"/>
+            <a:ext cx="522781" cy="252918"/>
+          </a:xfrm>
+          <a:prstGeom prst="roundRect">
+            <a:avLst/>
+          </a:prstGeom>
+          <a:ln w="28575"/>
+        </p:spPr>
+        <p:style>
+          <a:lnRef idx="2">
+            <a:schemeClr val="dk1"/>
+          </a:lnRef>
+          <a:fillRef idx="1">
+            <a:schemeClr val="lt1"/>
+          </a:fillRef>
+          <a:effectRef idx="0">
+            <a:schemeClr val="dk1"/>
+          </a:effectRef>
+          <a:fontRef idx="minor">
+            <a:schemeClr val="dk1"/>
+          </a:fontRef>
+        </p:style>
+        <p:txBody>
+          <a:bodyPr rot="0" spcFirstLastPara="0" vertOverflow="overflow" horzOverflow="overflow" vert="horz" wrap="square" lIns="91440" tIns="45720" rIns="91440" bIns="45720" numCol="1" spcCol="0" rtlCol="0" fromWordArt="0" anchor="ctr" anchorCtr="0" forceAA="0" compatLnSpc="1">
+            <a:prstTxWarp prst="textNoShape">
+              <a:avLst/>
+            </a:prstTxWarp>
+            <a:noAutofit/>
+          </a:bodyPr>
+          <a:lstStyle/>
+          <a:p>
+            <a:pPr algn="ctr"/>
+            <a:r>
+              <a:rPr lang="it-IT" sz="1600" b="1" dirty="0"/>
+              <a:t>3.3</a:t>
+            </a:r>
+          </a:p>
+        </p:txBody>
+      </p:sp>
+      <p:sp>
+        <p:nvSpPr>
+          <p:cNvPr id="42" name="Rettangolo con angoli arrotondati 41">
+            <a:extLst>
+              <a:ext uri="{FF2B5EF4-FFF2-40B4-BE49-F238E27FC236}">
+                <a16:creationId xmlns:a16="http://schemas.microsoft.com/office/drawing/2014/main" id="{CD931A44-BF80-4054-BAEB-22AF86541D08}"/>
+              </a:ext>
+            </a:extLst>
+          </p:cNvPr>
+          <p:cNvSpPr/>
+          <p:nvPr/>
+        </p:nvSpPr>
+        <p:spPr>
+          <a:xfrm>
+            <a:off x="6720729" y="160428"/>
+            <a:ext cx="522781" cy="252918"/>
+          </a:xfrm>
+          <a:prstGeom prst="roundRect">
+            <a:avLst/>
+          </a:prstGeom>
+          <a:ln w="28575"/>
+        </p:spPr>
+        <p:style>
+          <a:lnRef idx="2">
+            <a:schemeClr val="dk1"/>
+          </a:lnRef>
+          <a:fillRef idx="1">
+            <a:schemeClr val="lt1"/>
+          </a:fillRef>
+          <a:effectRef idx="0">
+            <a:schemeClr val="dk1"/>
+          </a:effectRef>
+          <a:fontRef idx="minor">
+            <a:schemeClr val="dk1"/>
+          </a:fontRef>
+        </p:style>
+        <p:txBody>
+          <a:bodyPr rot="0" spcFirstLastPara="0" vertOverflow="overflow" horzOverflow="overflow" vert="horz" wrap="square" lIns="91440" tIns="45720" rIns="91440" bIns="45720" numCol="1" spcCol="0" rtlCol="0" fromWordArt="0" anchor="ctr" anchorCtr="0" forceAA="0" compatLnSpc="1">
+            <a:prstTxWarp prst="textNoShape">
+              <a:avLst/>
+            </a:prstTxWarp>
+            <a:noAutofit/>
+          </a:bodyPr>
+          <a:lstStyle/>
+          <a:p>
+            <a:pPr algn="ctr"/>
+            <a:r>
+              <a:rPr lang="it-IT" sz="1600" b="1" dirty="0"/>
+              <a:t>3.4</a:t>
+            </a:r>
+          </a:p>
+        </p:txBody>
+      </p:sp>
+      <p:sp>
+        <p:nvSpPr>
+          <p:cNvPr id="43" name="Rettangolo con angoli arrotondati 42">
+            <a:extLst>
+              <a:ext uri="{FF2B5EF4-FFF2-40B4-BE49-F238E27FC236}">
+                <a16:creationId xmlns:a16="http://schemas.microsoft.com/office/drawing/2014/main" id="{FA1B0F99-D1E5-4DED-B546-5EC9324FFB99}"/>
+              </a:ext>
+            </a:extLst>
+          </p:cNvPr>
+          <p:cNvSpPr/>
+          <p:nvPr/>
+        </p:nvSpPr>
+        <p:spPr>
+          <a:xfrm>
+            <a:off x="422179" y="3666759"/>
+            <a:ext cx="522781" cy="252918"/>
+          </a:xfrm>
+          <a:prstGeom prst="roundRect">
+            <a:avLst/>
+          </a:prstGeom>
+          <a:ln w="28575"/>
+        </p:spPr>
+        <p:style>
+          <a:lnRef idx="2">
+            <a:schemeClr val="dk1"/>
+          </a:lnRef>
+          <a:fillRef idx="1">
+            <a:schemeClr val="lt1"/>
+          </a:fillRef>
+          <a:effectRef idx="0">
+            <a:schemeClr val="dk1"/>
+          </a:effectRef>
+          <a:fontRef idx="minor">
+            <a:schemeClr val="dk1"/>
+          </a:fontRef>
+        </p:style>
+        <p:txBody>
+          <a:bodyPr rot="0" spcFirstLastPara="0" vertOverflow="overflow" horzOverflow="overflow" vert="horz" wrap="square" lIns="91440" tIns="45720" rIns="91440" bIns="45720" numCol="1" spcCol="0" rtlCol="0" fromWordArt="0" anchor="ctr" anchorCtr="0" forceAA="0" compatLnSpc="1">
+            <a:prstTxWarp prst="textNoShape">
+              <a:avLst/>
+            </a:prstTxWarp>
+            <a:noAutofit/>
+          </a:bodyPr>
+          <a:lstStyle/>
+          <a:p>
+            <a:pPr algn="ctr"/>
+            <a:r>
+              <a:rPr lang="it-IT" sz="1600" b="1" dirty="0"/>
+              <a:t>4.2</a:t>
+            </a:r>
+          </a:p>
+        </p:txBody>
+      </p:sp>
+      <p:sp>
+        <p:nvSpPr>
+          <p:cNvPr id="44" name="Rettangolo con angoli arrotondati 43">
+            <a:extLst>
+              <a:ext uri="{FF2B5EF4-FFF2-40B4-BE49-F238E27FC236}">
+                <a16:creationId xmlns:a16="http://schemas.microsoft.com/office/drawing/2014/main" id="{144C26B9-3805-40D8-988B-2099E46CC706}"/>
+              </a:ext>
+            </a:extLst>
+          </p:cNvPr>
+          <p:cNvSpPr/>
+          <p:nvPr/>
+        </p:nvSpPr>
+        <p:spPr>
+          <a:xfrm>
+            <a:off x="6720729" y="3689175"/>
+            <a:ext cx="522781" cy="252918"/>
+          </a:xfrm>
+          <a:prstGeom prst="roundRect">
+            <a:avLst/>
+          </a:prstGeom>
+          <a:ln w="28575"/>
+        </p:spPr>
+        <p:style>
+          <a:lnRef idx="2">
+            <a:schemeClr val="dk1"/>
+          </a:lnRef>
+          <a:fillRef idx="1">
+            <a:schemeClr val="lt1"/>
+          </a:fillRef>
+          <a:effectRef idx="0">
+            <a:schemeClr val="dk1"/>
+          </a:effectRef>
+          <a:fontRef idx="minor">
+            <a:schemeClr val="dk1"/>
+          </a:fontRef>
+        </p:style>
+        <p:txBody>
+          <a:bodyPr rot="0" spcFirstLastPara="0" vertOverflow="overflow" horzOverflow="overflow" vert="horz" wrap="square" lIns="91440" tIns="45720" rIns="91440" bIns="45720" numCol="1" spcCol="0" rtlCol="0" fromWordArt="0" anchor="ctr" anchorCtr="0" forceAA="0" compatLnSpc="1">
+            <a:prstTxWarp prst="textNoShape">
+              <a:avLst/>
+            </a:prstTxWarp>
+            <a:noAutofit/>
+          </a:bodyPr>
+          <a:lstStyle/>
+          <a:p>
+            <a:pPr algn="ctr"/>
+            <a:r>
+              <a:rPr lang="it-IT" sz="1600" b="1" dirty="0"/>
+              <a:t>4.3</a:t>
+            </a:r>
+          </a:p>
+        </p:txBody>
+      </p:sp>
+    </p:spTree>
+    <p:extLst>
+      <p:ext uri="{BB962C8B-B14F-4D97-AF65-F5344CB8AC3E}">
+        <p14:creationId xmlns:p14="http://schemas.microsoft.com/office/powerpoint/2010/main" val="4275011830"/>
+      </p:ext>
+    </p:extLst>
+  </p:cSld>
+  <p:clrMapOvr>
+    <a:masterClrMapping/>
+  </p:clrMapOvr>
+</p:sld>
+</file>
+
 <file path=ppt/theme/theme1.xml><?xml version="1.0" encoding="utf-8"?>
 <a:theme xmlns:a="http://schemas.openxmlformats.org/drawingml/2006/main" name="Tema di Office">
   <a:themeElements>

--- a/schema.pptx
+++ b/schema.pptx
@@ -244,7 +244,7 @@
           <a:p>
             <a:fld id="{DC8D1450-30BF-456E-A483-D578E001458A}" type="datetimeFigureOut">
               <a:rPr lang="it-IT" smtClean="0"/>
-              <a:t>27/06/2018</a:t>
+              <a:t>09/07/2018</a:t>
             </a:fld>
             <a:endParaRPr lang="it-IT"/>
           </a:p>
@@ -414,7 +414,7 @@
           <a:p>
             <a:fld id="{DC8D1450-30BF-456E-A483-D578E001458A}" type="datetimeFigureOut">
               <a:rPr lang="it-IT" smtClean="0"/>
-              <a:t>27/06/2018</a:t>
+              <a:t>09/07/2018</a:t>
             </a:fld>
             <a:endParaRPr lang="it-IT"/>
           </a:p>
@@ -594,7 +594,7 @@
           <a:p>
             <a:fld id="{DC8D1450-30BF-456E-A483-D578E001458A}" type="datetimeFigureOut">
               <a:rPr lang="it-IT" smtClean="0"/>
-              <a:t>27/06/2018</a:t>
+              <a:t>09/07/2018</a:t>
             </a:fld>
             <a:endParaRPr lang="it-IT"/>
           </a:p>
@@ -764,7 +764,7 @@
           <a:p>
             <a:fld id="{DC8D1450-30BF-456E-A483-D578E001458A}" type="datetimeFigureOut">
               <a:rPr lang="it-IT" smtClean="0"/>
-              <a:t>27/06/2018</a:t>
+              <a:t>09/07/2018</a:t>
             </a:fld>
             <a:endParaRPr lang="it-IT"/>
           </a:p>
@@ -1010,7 +1010,7 @@
           <a:p>
             <a:fld id="{DC8D1450-30BF-456E-A483-D578E001458A}" type="datetimeFigureOut">
               <a:rPr lang="it-IT" smtClean="0"/>
-              <a:t>27/06/2018</a:t>
+              <a:t>09/07/2018</a:t>
             </a:fld>
             <a:endParaRPr lang="it-IT"/>
           </a:p>
@@ -1242,7 +1242,7 @@
           <a:p>
             <a:fld id="{DC8D1450-30BF-456E-A483-D578E001458A}" type="datetimeFigureOut">
               <a:rPr lang="it-IT" smtClean="0"/>
-              <a:t>27/06/2018</a:t>
+              <a:t>09/07/2018</a:t>
             </a:fld>
             <a:endParaRPr lang="it-IT"/>
           </a:p>
@@ -1609,7 +1609,7 @@
           <a:p>
             <a:fld id="{DC8D1450-30BF-456E-A483-D578E001458A}" type="datetimeFigureOut">
               <a:rPr lang="it-IT" smtClean="0"/>
-              <a:t>27/06/2018</a:t>
+              <a:t>09/07/2018</a:t>
             </a:fld>
             <a:endParaRPr lang="it-IT"/>
           </a:p>
@@ -1727,7 +1727,7 @@
           <a:p>
             <a:fld id="{DC8D1450-30BF-456E-A483-D578E001458A}" type="datetimeFigureOut">
               <a:rPr lang="it-IT" smtClean="0"/>
-              <a:t>27/06/2018</a:t>
+              <a:t>09/07/2018</a:t>
             </a:fld>
             <a:endParaRPr lang="it-IT"/>
           </a:p>
@@ -1822,7 +1822,7 @@
           <a:p>
             <a:fld id="{DC8D1450-30BF-456E-A483-D578E001458A}" type="datetimeFigureOut">
               <a:rPr lang="it-IT" smtClean="0"/>
-              <a:t>27/06/2018</a:t>
+              <a:t>09/07/2018</a:t>
             </a:fld>
             <a:endParaRPr lang="it-IT"/>
           </a:p>
@@ -2099,7 +2099,7 @@
           <a:p>
             <a:fld id="{DC8D1450-30BF-456E-A483-D578E001458A}" type="datetimeFigureOut">
               <a:rPr lang="it-IT" smtClean="0"/>
-              <a:t>27/06/2018</a:t>
+              <a:t>09/07/2018</a:t>
             </a:fld>
             <a:endParaRPr lang="it-IT"/>
           </a:p>
@@ -2356,7 +2356,7 @@
           <a:p>
             <a:fld id="{DC8D1450-30BF-456E-A483-D578E001458A}" type="datetimeFigureOut">
               <a:rPr lang="it-IT" smtClean="0"/>
-              <a:t>27/06/2018</a:t>
+              <a:t>09/07/2018</a:t>
             </a:fld>
             <a:endParaRPr lang="it-IT"/>
           </a:p>
@@ -2569,7 +2569,7 @@
           <a:p>
             <a:fld id="{DC8D1450-30BF-456E-A483-D578E001458A}" type="datetimeFigureOut">
               <a:rPr lang="it-IT" smtClean="0"/>
-              <a:t>27/06/2018</a:t>
+              <a:t>09/07/2018</a:t>
             </a:fld>
             <a:endParaRPr lang="it-IT"/>
           </a:p>
@@ -4603,7 +4603,7 @@
               <a:pPr algn="ctr"/>
               <a:r>
                 <a:rPr lang="it-IT" sz="1600" b="1" dirty="0"/>
-                <a:t>3.2</a:t>
+                <a:t>2.1</a:t>
               </a:r>
             </a:p>
           </p:txBody>
@@ -5470,7 +5470,7 @@
             <a:pPr algn="ctr"/>
             <a:r>
               <a:rPr lang="it-IT" sz="1600" b="1" dirty="0"/>
-              <a:t>3.3</a:t>
+              <a:t>3.6</a:t>
             </a:r>
           </a:p>
         </p:txBody>
@@ -5523,7 +5523,7 @@
             <a:pPr algn="ctr"/>
             <a:r>
               <a:rPr lang="it-IT" sz="1600" b="1" dirty="0"/>
-              <a:t>3.4</a:t>
+              <a:t>3.7</a:t>
             </a:r>
           </a:p>
         </p:txBody>
